--- a/jspServlet_try가이드.pptx
+++ b/jspServlet_try가이드.pptx
@@ -289,7 +289,7 @@
           <a:p>
             <a:fld id="{949EB86D-EA95-4A88-830A-DDFA59DC91A4}" type="datetimeFigureOut">
               <a:rPr lang="ko-KR" altLang="en-US" smtClean="0"/>
-              <a:t>2022-03-01</a:t>
+              <a:t>2022-03-05</a:t>
             </a:fld>
             <a:endParaRPr lang="ko-KR" altLang="en-US"/>
           </a:p>
@@ -487,7 +487,7 @@
           <a:p>
             <a:fld id="{949EB86D-EA95-4A88-830A-DDFA59DC91A4}" type="datetimeFigureOut">
               <a:rPr lang="ko-KR" altLang="en-US" smtClean="0"/>
-              <a:t>2022-03-01</a:t>
+              <a:t>2022-03-05</a:t>
             </a:fld>
             <a:endParaRPr lang="ko-KR" altLang="en-US"/>
           </a:p>
@@ -695,7 +695,7 @@
           <a:p>
             <a:fld id="{949EB86D-EA95-4A88-830A-DDFA59DC91A4}" type="datetimeFigureOut">
               <a:rPr lang="ko-KR" altLang="en-US" smtClean="0"/>
-              <a:t>2022-03-01</a:t>
+              <a:t>2022-03-05</a:t>
             </a:fld>
             <a:endParaRPr lang="ko-KR" altLang="en-US"/>
           </a:p>
@@ -893,7 +893,7 @@
           <a:p>
             <a:fld id="{949EB86D-EA95-4A88-830A-DDFA59DC91A4}" type="datetimeFigureOut">
               <a:rPr lang="ko-KR" altLang="en-US" smtClean="0"/>
-              <a:t>2022-03-01</a:t>
+              <a:t>2022-03-05</a:t>
             </a:fld>
             <a:endParaRPr lang="ko-KR" altLang="en-US"/>
           </a:p>
@@ -1168,7 +1168,7 @@
           <a:p>
             <a:fld id="{949EB86D-EA95-4A88-830A-DDFA59DC91A4}" type="datetimeFigureOut">
               <a:rPr lang="ko-KR" altLang="en-US" smtClean="0"/>
-              <a:t>2022-03-01</a:t>
+              <a:t>2022-03-05</a:t>
             </a:fld>
             <a:endParaRPr lang="ko-KR" altLang="en-US"/>
           </a:p>
@@ -1433,7 +1433,7 @@
           <a:p>
             <a:fld id="{949EB86D-EA95-4A88-830A-DDFA59DC91A4}" type="datetimeFigureOut">
               <a:rPr lang="ko-KR" altLang="en-US" smtClean="0"/>
-              <a:t>2022-03-01</a:t>
+              <a:t>2022-03-05</a:t>
             </a:fld>
             <a:endParaRPr lang="ko-KR" altLang="en-US"/>
           </a:p>
@@ -1845,7 +1845,7 @@
           <a:p>
             <a:fld id="{949EB86D-EA95-4A88-830A-DDFA59DC91A4}" type="datetimeFigureOut">
               <a:rPr lang="ko-KR" altLang="en-US" smtClean="0"/>
-              <a:t>2022-03-01</a:t>
+              <a:t>2022-03-05</a:t>
             </a:fld>
             <a:endParaRPr lang="ko-KR" altLang="en-US"/>
           </a:p>
@@ -1986,7 +1986,7 @@
           <a:p>
             <a:fld id="{949EB86D-EA95-4A88-830A-DDFA59DC91A4}" type="datetimeFigureOut">
               <a:rPr lang="ko-KR" altLang="en-US" smtClean="0"/>
-              <a:t>2022-03-01</a:t>
+              <a:t>2022-03-05</a:t>
             </a:fld>
             <a:endParaRPr lang="ko-KR" altLang="en-US"/>
           </a:p>
@@ -2099,7 +2099,7 @@
           <a:p>
             <a:fld id="{949EB86D-EA95-4A88-830A-DDFA59DC91A4}" type="datetimeFigureOut">
               <a:rPr lang="ko-KR" altLang="en-US" smtClean="0"/>
-              <a:t>2022-03-01</a:t>
+              <a:t>2022-03-05</a:t>
             </a:fld>
             <a:endParaRPr lang="ko-KR" altLang="en-US"/>
           </a:p>
@@ -2410,7 +2410,7 @@
           <a:p>
             <a:fld id="{949EB86D-EA95-4A88-830A-DDFA59DC91A4}" type="datetimeFigureOut">
               <a:rPr lang="ko-KR" altLang="en-US" smtClean="0"/>
-              <a:t>2022-03-01</a:t>
+              <a:t>2022-03-05</a:t>
             </a:fld>
             <a:endParaRPr lang="ko-KR" altLang="en-US"/>
           </a:p>
@@ -2698,7 +2698,7 @@
           <a:p>
             <a:fld id="{949EB86D-EA95-4A88-830A-DDFA59DC91A4}" type="datetimeFigureOut">
               <a:rPr lang="ko-KR" altLang="en-US" smtClean="0"/>
-              <a:t>2022-03-01</a:t>
+              <a:t>2022-03-05</a:t>
             </a:fld>
             <a:endParaRPr lang="ko-KR" altLang="en-US"/>
           </a:p>
@@ -2939,7 +2939,7 @@
           <a:p>
             <a:fld id="{949EB86D-EA95-4A88-830A-DDFA59DC91A4}" type="datetimeFigureOut">
               <a:rPr lang="ko-KR" altLang="en-US" smtClean="0"/>
-              <a:t>2022-03-01</a:t>
+              <a:t>2022-03-05</a:t>
             </a:fld>
             <a:endParaRPr lang="ko-KR" altLang="en-US"/>
           </a:p>
@@ -3584,49 +3584,12 @@
           <a:chExt cx="0" cy="0"/>
         </a:xfrm>
       </p:grpSpPr>
-      <p:sp>
-        <p:nvSpPr>
-          <p:cNvPr id="2" name="제목 1">
-            <a:extLst>
-              <a:ext uri="{FF2B5EF4-FFF2-40B4-BE49-F238E27FC236}">
-                <a16:creationId xmlns:a16="http://schemas.microsoft.com/office/drawing/2014/main" id="{DBC5ADE0-ECF8-4362-9002-B9F201BE44A6}"/>
-              </a:ext>
-            </a:extLst>
-          </p:cNvPr>
-          <p:cNvSpPr>
-            <a:spLocks noGrp="1"/>
-          </p:cNvSpPr>
-          <p:nvPr>
-            <p:ph type="title"/>
-          </p:nvPr>
-        </p:nvSpPr>
-        <p:spPr/>
-        <p:txBody>
-          <a:bodyPr/>
-          <a:lstStyle/>
-          <a:p>
-            <a:r>
-              <a:rPr lang="en-US" altLang="ko-KR" dirty="0"/>
-              <a:t>Dynamic Web Project </a:t>
-            </a:r>
-            <a:r>
-              <a:rPr lang="ko-KR" altLang="en-US" dirty="0"/>
-              <a:t>생성</a:t>
-            </a:r>
-            <a:r>
-              <a:rPr lang="en-US" altLang="ko-KR" dirty="0"/>
-              <a:t> </a:t>
-            </a:r>
-            <a:endParaRPr lang="ko-KR" altLang="en-US" dirty="0"/>
-          </a:p>
-        </p:txBody>
-      </p:sp>
       <p:pic>
         <p:nvPicPr>
-          <p:cNvPr id="7" name="그림 6">
-            <a:extLst>
-              <a:ext uri="{FF2B5EF4-FFF2-40B4-BE49-F238E27FC236}">
-                <a16:creationId xmlns:a16="http://schemas.microsoft.com/office/drawing/2014/main" id="{FAAA789F-3621-4BAC-AC5A-0546745C860C}"/>
+          <p:cNvPr id="4" name="그림 3">
+            <a:extLst>
+              <a:ext uri="{FF2B5EF4-FFF2-40B4-BE49-F238E27FC236}">
+                <a16:creationId xmlns:a16="http://schemas.microsoft.com/office/drawing/2014/main" id="{6EC44423-5840-4718-AF42-E1E62351DDAC}"/>
               </a:ext>
             </a:extLst>
           </p:cNvPr>
@@ -3643,14 +3606,51 @@
         </p:blipFill>
         <p:spPr>
           <a:xfrm>
-            <a:off x="3300361" y="1472101"/>
-            <a:ext cx="5591277" cy="7938118"/>
+            <a:off x="3373517" y="1383047"/>
+            <a:ext cx="5893575" cy="8395378"/>
           </a:xfrm>
           <a:prstGeom prst="rect">
             <a:avLst/>
           </a:prstGeom>
         </p:spPr>
       </p:pic>
+      <p:sp>
+        <p:nvSpPr>
+          <p:cNvPr id="2" name="제목 1">
+            <a:extLst>
+              <a:ext uri="{FF2B5EF4-FFF2-40B4-BE49-F238E27FC236}">
+                <a16:creationId xmlns:a16="http://schemas.microsoft.com/office/drawing/2014/main" id="{DBC5ADE0-ECF8-4362-9002-B9F201BE44A6}"/>
+              </a:ext>
+            </a:extLst>
+          </p:cNvPr>
+          <p:cNvSpPr>
+            <a:spLocks noGrp="1"/>
+          </p:cNvSpPr>
+          <p:nvPr>
+            <p:ph type="title"/>
+          </p:nvPr>
+        </p:nvSpPr>
+        <p:spPr/>
+        <p:txBody>
+          <a:bodyPr/>
+          <a:lstStyle/>
+          <a:p>
+            <a:r>
+              <a:rPr lang="en-US" altLang="ko-KR" dirty="0"/>
+              <a:t>Dynamic Web Project </a:t>
+            </a:r>
+            <a:r>
+              <a:rPr lang="ko-KR" altLang="en-US" dirty="0"/>
+              <a:t>생성</a:t>
+            </a:r>
+            <a:r>
+              <a:rPr lang="en-US" altLang="ko-KR" dirty="0"/>
+              <a:t> </a:t>
+            </a:r>
+            <a:endParaRPr lang="ko-KR" altLang="en-US" dirty="0"/>
+          </a:p>
+        </p:txBody>
+      </p:sp>
       <p:sp>
         <p:nvSpPr>
           <p:cNvPr id="9" name="직사각형 8">
@@ -3733,60 +3733,12 @@
           <a:chExt cx="0" cy="0"/>
         </a:xfrm>
       </p:grpSpPr>
-      <p:sp>
-        <p:nvSpPr>
-          <p:cNvPr id="2" name="제목 1">
-            <a:extLst>
-              <a:ext uri="{FF2B5EF4-FFF2-40B4-BE49-F238E27FC236}">
-                <a16:creationId xmlns:a16="http://schemas.microsoft.com/office/drawing/2014/main" id="{0FE4B8A9-4172-4E04-8B02-0A9424303A3D}"/>
-              </a:ext>
-            </a:extLst>
-          </p:cNvPr>
-          <p:cNvSpPr>
-            <a:spLocks noGrp="1"/>
-          </p:cNvSpPr>
-          <p:nvPr>
-            <p:ph type="title"/>
-          </p:nvPr>
-        </p:nvSpPr>
-        <p:spPr/>
-        <p:txBody>
-          <a:bodyPr/>
-          <a:lstStyle/>
-          <a:p>
-            <a:r>
-              <a:rPr lang="en-US" altLang="ko-KR" dirty="0"/>
-              <a:t>Next</a:t>
-            </a:r>
-            <a:r>
-              <a:rPr lang="ko-KR" altLang="en-US" dirty="0"/>
-              <a:t>버튼</a:t>
-            </a:r>
-            <a:r>
-              <a:rPr lang="en-US" altLang="ko-KR" dirty="0"/>
-              <a:t>-&gt;</a:t>
-            </a:r>
-            <a:r>
-              <a:rPr lang="ko-KR" altLang="en-US" dirty="0"/>
-              <a:t> </a:t>
-            </a:r>
-            <a:r>
-              <a:rPr lang="en-US" altLang="ko-KR" dirty="0"/>
-              <a:t>Web Module</a:t>
-            </a:r>
-            <a:r>
-              <a:rPr lang="ko-KR" altLang="en-US" dirty="0"/>
-              <a:t>에서 체크</a:t>
-            </a:r>
-          </a:p>
-        </p:txBody>
-      </p:sp>
       <p:pic>
         <p:nvPicPr>
-          <p:cNvPr id="5" name="그림 4">
-            <a:extLst>
-              <a:ext uri="{FF2B5EF4-FFF2-40B4-BE49-F238E27FC236}">
-                <a16:creationId xmlns:a16="http://schemas.microsoft.com/office/drawing/2014/main" id="{B5A3ECDC-341B-4F9C-A631-DFD4F27BCE4A}"/>
+          <p:cNvPr id="10" name="그림 9">
+            <a:extLst>
+              <a:ext uri="{FF2B5EF4-FFF2-40B4-BE49-F238E27FC236}">
+                <a16:creationId xmlns:a16="http://schemas.microsoft.com/office/drawing/2014/main" id="{EA26B23C-27B4-4B8C-AF52-3CA3B7C1DFBF}"/>
               </a:ext>
             </a:extLst>
           </p:cNvPr>
@@ -3803,44 +3755,62 @@
         </p:blipFill>
         <p:spPr>
           <a:xfrm>
-            <a:off x="247939" y="1452152"/>
-            <a:ext cx="6042148" cy="6858000"/>
+            <a:off x="6000289" y="1767254"/>
+            <a:ext cx="5353511" cy="7626059"/>
           </a:xfrm>
           <a:prstGeom prst="rect">
             <a:avLst/>
           </a:prstGeom>
         </p:spPr>
       </p:pic>
-      <p:pic>
-        <p:nvPicPr>
-          <p:cNvPr id="7" name="그림 6">
-            <a:extLst>
-              <a:ext uri="{FF2B5EF4-FFF2-40B4-BE49-F238E27FC236}">
-                <a16:creationId xmlns:a16="http://schemas.microsoft.com/office/drawing/2014/main" id="{6232E53E-6CFF-4B9E-A3CD-67C8F5F9D773}"/>
-              </a:ext>
-            </a:extLst>
-          </p:cNvPr>
-          <p:cNvPicPr>
-            <a:picLocks noChangeAspect="1"/>
-          </p:cNvPicPr>
-          <p:nvPr/>
-        </p:nvPicPr>
-        <p:blipFill>
-          <a:blip r:embed="rId3"/>
-          <a:stretch>
-            <a:fillRect/>
-          </a:stretch>
-        </p:blipFill>
-        <p:spPr>
-          <a:xfrm>
-            <a:off x="6290087" y="1976848"/>
-            <a:ext cx="6042148" cy="6858000"/>
-          </a:xfrm>
-          <a:prstGeom prst="rect">
-            <a:avLst/>
-          </a:prstGeom>
-        </p:spPr>
-      </p:pic>
+      <p:sp>
+        <p:nvSpPr>
+          <p:cNvPr id="2" name="제목 1">
+            <a:extLst>
+              <a:ext uri="{FF2B5EF4-FFF2-40B4-BE49-F238E27FC236}">
+                <a16:creationId xmlns:a16="http://schemas.microsoft.com/office/drawing/2014/main" id="{0FE4B8A9-4172-4E04-8B02-0A9424303A3D}"/>
+              </a:ext>
+            </a:extLst>
+          </p:cNvPr>
+          <p:cNvSpPr>
+            <a:spLocks noGrp="1"/>
+          </p:cNvSpPr>
+          <p:nvPr>
+            <p:ph type="title"/>
+          </p:nvPr>
+        </p:nvSpPr>
+        <p:spPr/>
+        <p:txBody>
+          <a:bodyPr/>
+          <a:lstStyle/>
+          <a:p>
+            <a:r>
+              <a:rPr lang="en-US" altLang="ko-KR" dirty="0"/>
+              <a:t>Next</a:t>
+            </a:r>
+            <a:r>
+              <a:rPr lang="ko-KR" altLang="en-US" dirty="0"/>
+              <a:t>버튼</a:t>
+            </a:r>
+            <a:r>
+              <a:rPr lang="en-US" altLang="ko-KR" dirty="0"/>
+              <a:t>-&gt;</a:t>
+            </a:r>
+            <a:r>
+              <a:rPr lang="ko-KR" altLang="en-US" dirty="0"/>
+              <a:t> </a:t>
+            </a:r>
+            <a:r>
+              <a:rPr lang="en-US" altLang="ko-KR" dirty="0"/>
+              <a:t>Web Module</a:t>
+            </a:r>
+            <a:r>
+              <a:rPr lang="ko-KR" altLang="en-US" dirty="0"/>
+              <a:t>에서 체크</a:t>
+            </a:r>
+          </a:p>
+        </p:txBody>
+      </p:sp>
       <p:sp>
         <p:nvSpPr>
           <p:cNvPr id="8" name="직사각형 7">
@@ -3855,8 +3825,8 @@
         </p:nvSpPr>
         <p:spPr>
           <a:xfrm>
-            <a:off x="6284431" y="3628414"/>
-            <a:ext cx="2919967" cy="432619"/>
+            <a:off x="5899639" y="3628414"/>
+            <a:ext cx="3304760" cy="432619"/>
           </a:xfrm>
           <a:prstGeom prst="rect">
             <a:avLst/>
@@ -3964,6 +3934,36 @@
           </a:p>
         </p:txBody>
       </p:sp>
+      <p:pic>
+        <p:nvPicPr>
+          <p:cNvPr id="4" name="그림 3">
+            <a:extLst>
+              <a:ext uri="{FF2B5EF4-FFF2-40B4-BE49-F238E27FC236}">
+                <a16:creationId xmlns:a16="http://schemas.microsoft.com/office/drawing/2014/main" id="{61DA9656-49BC-4CCD-A512-54423038F846}"/>
+              </a:ext>
+            </a:extLst>
+          </p:cNvPr>
+          <p:cNvPicPr>
+            <a:picLocks noChangeAspect="1"/>
+          </p:cNvPicPr>
+          <p:nvPr/>
+        </p:nvPicPr>
+        <p:blipFill>
+          <a:blip r:embed="rId3"/>
+          <a:stretch>
+            <a:fillRect/>
+          </a:stretch>
+        </p:blipFill>
+        <p:spPr>
+          <a:xfrm>
+            <a:off x="717034" y="1767254"/>
+            <a:ext cx="4814332" cy="6858000"/>
+          </a:xfrm>
+          <a:prstGeom prst="rect">
+            <a:avLst/>
+          </a:prstGeom>
+        </p:spPr>
+      </p:pic>
     </p:spTree>
     <p:extLst>
       <p:ext uri="{BB962C8B-B14F-4D97-AF65-F5344CB8AC3E}">
@@ -4033,10 +4033,10 @@
       </p:sp>
       <p:pic>
         <p:nvPicPr>
-          <p:cNvPr id="7" name="그림 6">
-            <a:extLst>
-              <a:ext uri="{FF2B5EF4-FFF2-40B4-BE49-F238E27FC236}">
-                <a16:creationId xmlns:a16="http://schemas.microsoft.com/office/drawing/2014/main" id="{7B7E9EA8-69C6-417A-BD54-7EFD9D446524}"/>
+          <p:cNvPr id="4" name="그림 3">
+            <a:extLst>
+              <a:ext uri="{FF2B5EF4-FFF2-40B4-BE49-F238E27FC236}">
+                <a16:creationId xmlns:a16="http://schemas.microsoft.com/office/drawing/2014/main" id="{7D6FCF39-C1D6-4C10-A5B1-CF2707F16866}"/>
               </a:ext>
             </a:extLst>
           </p:cNvPr>
@@ -4053,8 +4053,8 @@
         </p:blipFill>
         <p:spPr>
           <a:xfrm>
-            <a:off x="2429587" y="1361662"/>
-            <a:ext cx="7332825" cy="5528717"/>
+            <a:off x="433684" y="1690688"/>
+            <a:ext cx="10234316" cy="6277708"/>
           </a:xfrm>
           <a:prstGeom prst="rect">
             <a:avLst/>
@@ -4137,16 +4137,15 @@
           </p:cNvPicPr>
           <p:nvPr/>
         </p:nvPicPr>
-        <p:blipFill>
+        <p:blipFill rotWithShape="1">
           <a:blip r:embed="rId2"/>
-          <a:stretch>
-            <a:fillRect/>
-          </a:stretch>
+          <a:srcRect t="6003"/>
+          <a:stretch/>
         </p:blipFill>
         <p:spPr>
           <a:xfrm>
-            <a:off x="603258" y="1695208"/>
-            <a:ext cx="4829849" cy="3467584"/>
+            <a:off x="603258" y="1899138"/>
+            <a:ext cx="4829849" cy="3263654"/>
           </a:xfrm>
           <a:prstGeom prst="rect">
             <a:avLst/>
@@ -5433,49 +5432,12 @@
           <a:chExt cx="0" cy="0"/>
         </a:xfrm>
       </p:grpSpPr>
-      <p:sp>
-        <p:nvSpPr>
-          <p:cNvPr id="4" name="제목 1">
-            <a:extLst>
-              <a:ext uri="{FF2B5EF4-FFF2-40B4-BE49-F238E27FC236}">
-                <a16:creationId xmlns:a16="http://schemas.microsoft.com/office/drawing/2014/main" id="{C1E1ABFC-6630-4E43-A117-FD1EB25E8570}"/>
-              </a:ext>
-            </a:extLst>
-          </p:cNvPr>
-          <p:cNvSpPr>
-            <a:spLocks noGrp="1"/>
-          </p:cNvSpPr>
-          <p:nvPr>
-            <p:ph type="title"/>
-          </p:nvPr>
-        </p:nvSpPr>
-        <p:spPr>
-          <a:xfrm>
-            <a:off x="838200" y="365125"/>
-            <a:ext cx="10515600" cy="1325563"/>
-          </a:xfrm>
-        </p:spPr>
-        <p:txBody>
-          <a:bodyPr/>
-          <a:lstStyle/>
-          <a:p>
-            <a:r>
-              <a:rPr lang="en-US" altLang="ko-KR" dirty="0"/>
-              <a:t>A. </a:t>
-            </a:r>
-            <a:r>
-              <a:rPr lang="ko-KR" altLang="en-US" dirty="0"/>
-              <a:t>프로젝트 폴더 생성</a:t>
-            </a:r>
-          </a:p>
-        </p:txBody>
-      </p:sp>
       <p:pic>
         <p:nvPicPr>
-          <p:cNvPr id="7" name="그림 6">
-            <a:extLst>
-              <a:ext uri="{FF2B5EF4-FFF2-40B4-BE49-F238E27FC236}">
-                <a16:creationId xmlns:a16="http://schemas.microsoft.com/office/drawing/2014/main" id="{D74F84F9-471A-44C4-B688-2822A7EBEE22}"/>
+          <p:cNvPr id="6" name="그림 5">
+            <a:extLst>
+              <a:ext uri="{FF2B5EF4-FFF2-40B4-BE49-F238E27FC236}">
+                <a16:creationId xmlns:a16="http://schemas.microsoft.com/office/drawing/2014/main" id="{14BF1411-BF81-4182-B453-DEF261D7CA53}"/>
               </a:ext>
             </a:extLst>
           </p:cNvPr>
@@ -5492,8 +5454,8 @@
         </p:blipFill>
         <p:spPr>
           <a:xfrm>
-            <a:off x="1471167" y="2179563"/>
-            <a:ext cx="6650487" cy="2294113"/>
+            <a:off x="1632155" y="1954458"/>
+            <a:ext cx="7494265" cy="2548050"/>
           </a:xfrm>
           <a:prstGeom prst="rect">
             <a:avLst/>
@@ -5532,6 +5494,43 @@
       </p:pic>
       <p:sp>
         <p:nvSpPr>
+          <p:cNvPr id="4" name="제목 1">
+            <a:extLst>
+              <a:ext uri="{FF2B5EF4-FFF2-40B4-BE49-F238E27FC236}">
+                <a16:creationId xmlns:a16="http://schemas.microsoft.com/office/drawing/2014/main" id="{C1E1ABFC-6630-4E43-A117-FD1EB25E8570}"/>
+              </a:ext>
+            </a:extLst>
+          </p:cNvPr>
+          <p:cNvSpPr>
+            <a:spLocks noGrp="1"/>
+          </p:cNvSpPr>
+          <p:nvPr>
+            <p:ph type="title"/>
+          </p:nvPr>
+        </p:nvSpPr>
+        <p:spPr>
+          <a:xfrm>
+            <a:off x="838200" y="365125"/>
+            <a:ext cx="10515600" cy="1325563"/>
+          </a:xfrm>
+        </p:spPr>
+        <p:txBody>
+          <a:bodyPr/>
+          <a:lstStyle/>
+          <a:p>
+            <a:r>
+              <a:rPr lang="en-US" altLang="ko-KR" dirty="0"/>
+              <a:t>A. </a:t>
+            </a:r>
+            <a:r>
+              <a:rPr lang="ko-KR" altLang="en-US" dirty="0"/>
+              <a:t>프로젝트 폴더 생성</a:t>
+            </a:r>
+          </a:p>
+        </p:txBody>
+      </p:sp>
+      <p:sp>
+        <p:nvSpPr>
           <p:cNvPr id="8" name="직사각형 7">
             <a:extLst>
               <a:ext uri="{FF2B5EF4-FFF2-40B4-BE49-F238E27FC236}">
@@ -5544,8 +5543,8 @@
         </p:nvSpPr>
         <p:spPr>
           <a:xfrm>
-            <a:off x="1632155" y="2861187"/>
-            <a:ext cx="2487561" cy="432619"/>
+            <a:off x="1632155" y="2799643"/>
+            <a:ext cx="2561776" cy="567813"/>
           </a:xfrm>
           <a:prstGeom prst="rect">
             <a:avLst/>
@@ -5646,10 +5645,10 @@
       </p:sp>
       <p:pic>
         <p:nvPicPr>
-          <p:cNvPr id="4" name="그림 3">
-            <a:extLst>
-              <a:ext uri="{FF2B5EF4-FFF2-40B4-BE49-F238E27FC236}">
-                <a16:creationId xmlns:a16="http://schemas.microsoft.com/office/drawing/2014/main" id="{A4BE62BB-A4EF-41F2-A6C5-8B46E9927089}"/>
+          <p:cNvPr id="7" name="그림 6">
+            <a:extLst>
+              <a:ext uri="{FF2B5EF4-FFF2-40B4-BE49-F238E27FC236}">
+                <a16:creationId xmlns:a16="http://schemas.microsoft.com/office/drawing/2014/main" id="{11A07751-0058-439F-ABD7-623061E5594D}"/>
               </a:ext>
             </a:extLst>
           </p:cNvPr>
@@ -5666,8 +5665,8 @@
         </p:blipFill>
         <p:spPr>
           <a:xfrm>
-            <a:off x="1939874" y="1414136"/>
-            <a:ext cx="9095874" cy="6858000"/>
+            <a:off x="757415" y="1512276"/>
+            <a:ext cx="9847303" cy="6040315"/>
           </a:xfrm>
           <a:prstGeom prst="rect">
             <a:avLst/>
@@ -5766,16 +5765,15 @@
           </p:cNvPicPr>
           <p:nvPr/>
         </p:nvPicPr>
-        <p:blipFill>
+        <p:blipFill rotWithShape="1">
           <a:blip r:embed="rId2"/>
-          <a:stretch>
-            <a:fillRect/>
-          </a:stretch>
+          <a:srcRect t="3738"/>
+          <a:stretch/>
         </p:blipFill>
         <p:spPr>
           <a:xfrm>
-            <a:off x="2157989" y="1326681"/>
-            <a:ext cx="8287907" cy="6611273"/>
+            <a:off x="2157989" y="1573823"/>
+            <a:ext cx="8287907" cy="6364131"/>
           </a:xfrm>
           <a:prstGeom prst="rect">
             <a:avLst/>
@@ -5907,16 +5905,15 @@
           </p:cNvPicPr>
           <p:nvPr/>
         </p:nvPicPr>
-        <p:blipFill>
+        <p:blipFill rotWithShape="1">
           <a:blip r:embed="rId2"/>
-          <a:stretch>
-            <a:fillRect/>
-          </a:stretch>
+          <a:srcRect t="5762"/>
+          <a:stretch/>
         </p:blipFill>
         <p:spPr>
           <a:xfrm>
-            <a:off x="1212382" y="1562181"/>
-            <a:ext cx="10220862" cy="4321784"/>
+            <a:off x="1212382" y="1811215"/>
+            <a:ext cx="10220862" cy="4072750"/>
           </a:xfrm>
           <a:prstGeom prst="rect">
             <a:avLst/>
@@ -6328,16 +6325,15 @@
           </p:cNvPicPr>
           <p:nvPr/>
         </p:nvPicPr>
-        <p:blipFill>
+        <p:blipFill rotWithShape="1">
           <a:blip r:embed="rId2"/>
-          <a:stretch>
-            <a:fillRect/>
-          </a:stretch>
+          <a:srcRect t="3456"/>
+          <a:stretch/>
         </p:blipFill>
         <p:spPr>
           <a:xfrm>
-            <a:off x="246142" y="1356531"/>
-            <a:ext cx="7218146" cy="5777946"/>
+            <a:off x="246142" y="1556237"/>
+            <a:ext cx="7218146" cy="5578239"/>
           </a:xfrm>
           <a:prstGeom prst="rect">
             <a:avLst/>
@@ -6499,16 +6495,15 @@
           </p:cNvPicPr>
           <p:nvPr/>
         </p:nvPicPr>
-        <p:blipFill>
+        <p:blipFill rotWithShape="1">
           <a:blip r:embed="rId2"/>
-          <a:stretch>
-            <a:fillRect/>
-          </a:stretch>
+          <a:srcRect t="5637"/>
+          <a:stretch/>
         </p:blipFill>
         <p:spPr>
           <a:xfrm>
-            <a:off x="2190899" y="1501845"/>
-            <a:ext cx="7810201" cy="4552471"/>
+            <a:off x="2190899" y="1758462"/>
+            <a:ext cx="7810201" cy="4295854"/>
           </a:xfrm>
           <a:prstGeom prst="rect">
             <a:avLst/>
@@ -6611,16 +6606,15 @@
           </p:cNvPicPr>
           <p:nvPr/>
         </p:nvPicPr>
-        <p:blipFill>
+        <p:blipFill rotWithShape="1">
           <a:blip r:embed="rId2"/>
-          <a:stretch>
-            <a:fillRect/>
-          </a:stretch>
+          <a:srcRect t="4293"/>
+          <a:stretch/>
         </p:blipFill>
         <p:spPr>
           <a:xfrm>
-            <a:off x="0" y="0"/>
-            <a:ext cx="12192000" cy="6682553"/>
+            <a:off x="0" y="286871"/>
+            <a:ext cx="12192000" cy="6395682"/>
           </a:xfrm>
           <a:prstGeom prst="rect">
             <a:avLst/>
@@ -6946,16 +6940,15 @@
           </p:cNvPicPr>
           <p:nvPr/>
         </p:nvPicPr>
-        <p:blipFill>
+        <p:blipFill rotWithShape="1">
           <a:blip r:embed="rId2"/>
-          <a:stretch>
-            <a:fillRect/>
-          </a:stretch>
+          <a:srcRect t="5278"/>
+          <a:stretch/>
         </p:blipFill>
         <p:spPr>
           <a:xfrm>
-            <a:off x="1629760" y="1571418"/>
-            <a:ext cx="8886087" cy="4710112"/>
+            <a:off x="1629760" y="1820008"/>
+            <a:ext cx="8886087" cy="4461521"/>
           </a:xfrm>
           <a:prstGeom prst="rect">
             <a:avLst/>
@@ -7240,16 +7233,15 @@
           </p:cNvPicPr>
           <p:nvPr/>
         </p:nvPicPr>
-        <p:blipFill>
+        <p:blipFill rotWithShape="1">
           <a:blip r:embed="rId2"/>
-          <a:stretch>
-            <a:fillRect/>
-          </a:stretch>
+          <a:srcRect t="4152"/>
+          <a:stretch/>
         </p:blipFill>
         <p:spPr>
           <a:xfrm>
-            <a:off x="838199" y="1412416"/>
-            <a:ext cx="10442713" cy="5158067"/>
+            <a:off x="838200" y="1626577"/>
+            <a:ext cx="10442713" cy="4943906"/>
           </a:xfrm>
           <a:prstGeom prst="rect">
             <a:avLst/>
@@ -7340,40 +7332,12 @@
           <a:chExt cx="0" cy="0"/>
         </a:xfrm>
       </p:grpSpPr>
-      <p:sp>
-        <p:nvSpPr>
-          <p:cNvPr id="2" name="제목 1">
-            <a:extLst>
-              <a:ext uri="{FF2B5EF4-FFF2-40B4-BE49-F238E27FC236}">
-                <a16:creationId xmlns:a16="http://schemas.microsoft.com/office/drawing/2014/main" id="{A22FF5BD-DF7A-4A77-8ACA-13A72AA24968}"/>
-              </a:ext>
-            </a:extLst>
-          </p:cNvPr>
-          <p:cNvSpPr>
-            <a:spLocks noGrp="1"/>
-          </p:cNvSpPr>
-          <p:nvPr>
-            <p:ph type="title"/>
-          </p:nvPr>
-        </p:nvSpPr>
-        <p:spPr/>
-        <p:txBody>
-          <a:bodyPr/>
-          <a:lstStyle/>
-          <a:p>
-            <a:r>
-              <a:rPr lang="ko-KR" altLang="en-US" dirty="0"/>
-              <a:t>경로에 맞춰서 이클립스 실행</a:t>
-            </a:r>
-          </a:p>
-        </p:txBody>
-      </p:sp>
       <p:pic>
         <p:nvPicPr>
-          <p:cNvPr id="5" name="그림 4">
-            <a:extLst>
-              <a:ext uri="{FF2B5EF4-FFF2-40B4-BE49-F238E27FC236}">
-                <a16:creationId xmlns:a16="http://schemas.microsoft.com/office/drawing/2014/main" id="{01313407-C784-4305-B103-F6A40AB90111}"/>
+          <p:cNvPr id="4" name="그림 3">
+            <a:extLst>
+              <a:ext uri="{FF2B5EF4-FFF2-40B4-BE49-F238E27FC236}">
+                <a16:creationId xmlns:a16="http://schemas.microsoft.com/office/drawing/2014/main" id="{2A1F55C9-2E19-4E9F-9A3F-A55CFFF0DDB7}"/>
               </a:ext>
             </a:extLst>
           </p:cNvPr>
@@ -7390,14 +7354,72 @@
         </p:blipFill>
         <p:spPr>
           <a:xfrm>
-            <a:off x="2684221" y="1383842"/>
-            <a:ext cx="6823558" cy="5474158"/>
+            <a:off x="1774885" y="1647576"/>
+            <a:ext cx="7741068" cy="4032255"/>
           </a:xfrm>
           <a:prstGeom prst="rect">
             <a:avLst/>
           </a:prstGeom>
+          <a:solidFill>
+            <a:srgbClr val="FFFFFF">
+              <a:shade val="85000"/>
+            </a:srgbClr>
+          </a:solidFill>
+          <a:ln w="88900" cap="sq">
+            <a:solidFill>
+              <a:srgbClr val="FFFFFF"/>
+            </a:solidFill>
+            <a:miter lim="800000"/>
+          </a:ln>
+          <a:effectLst>
+            <a:outerShdw blurRad="55000" dist="18000" dir="5400000" algn="tl" rotWithShape="0">
+              <a:srgbClr val="000000">
+                <a:alpha val="40000"/>
+              </a:srgbClr>
+            </a:outerShdw>
+          </a:effectLst>
+          <a:scene3d>
+            <a:camera prst="orthographicFront"/>
+            <a:lightRig rig="twoPt" dir="t">
+              <a:rot lat="0" lon="0" rev="7200000"/>
+            </a:lightRig>
+          </a:scene3d>
+          <a:sp3d>
+            <a:bevelT w="25400" h="19050"/>
+            <a:contourClr>
+              <a:srgbClr val="FFFFFF"/>
+            </a:contourClr>
+          </a:sp3d>
         </p:spPr>
       </p:pic>
+      <p:sp>
+        <p:nvSpPr>
+          <p:cNvPr id="2" name="제목 1">
+            <a:extLst>
+              <a:ext uri="{FF2B5EF4-FFF2-40B4-BE49-F238E27FC236}">
+                <a16:creationId xmlns:a16="http://schemas.microsoft.com/office/drawing/2014/main" id="{A22FF5BD-DF7A-4A77-8ACA-13A72AA24968}"/>
+              </a:ext>
+            </a:extLst>
+          </p:cNvPr>
+          <p:cNvSpPr>
+            <a:spLocks noGrp="1"/>
+          </p:cNvSpPr>
+          <p:nvPr>
+            <p:ph type="title"/>
+          </p:nvPr>
+        </p:nvSpPr>
+        <p:spPr/>
+        <p:txBody>
+          <a:bodyPr/>
+          <a:lstStyle/>
+          <a:p>
+            <a:r>
+              <a:rPr lang="ko-KR" altLang="en-US" dirty="0"/>
+              <a:t>경로에 맞춰서 이클립스 실행</a:t>
+            </a:r>
+          </a:p>
+        </p:txBody>
+      </p:sp>
       <p:sp>
         <p:nvSpPr>
           <p:cNvPr id="8" name="직사각형 7">
@@ -7412,8 +7434,8 @@
         </p:nvSpPr>
         <p:spPr>
           <a:xfrm>
-            <a:off x="6459793" y="2595716"/>
-            <a:ext cx="2487561" cy="432619"/>
+            <a:off x="6055339" y="3017100"/>
+            <a:ext cx="2833684" cy="538774"/>
           </a:xfrm>
           <a:prstGeom prst="rect">
             <a:avLst/>
@@ -7948,49 +7970,12 @@
           <a:chExt cx="0" cy="0"/>
         </a:xfrm>
       </p:grpSpPr>
-      <p:sp>
-        <p:nvSpPr>
-          <p:cNvPr id="2" name="제목 1">
-            <a:extLst>
-              <a:ext uri="{FF2B5EF4-FFF2-40B4-BE49-F238E27FC236}">
-                <a16:creationId xmlns:a16="http://schemas.microsoft.com/office/drawing/2014/main" id="{687B812B-3F16-4D64-A067-3310C5E73784}"/>
-              </a:ext>
-            </a:extLst>
-          </p:cNvPr>
-          <p:cNvSpPr>
-            <a:spLocks noGrp="1"/>
-          </p:cNvSpPr>
-          <p:nvPr>
-            <p:ph type="title"/>
-          </p:nvPr>
-        </p:nvSpPr>
-        <p:spPr/>
-        <p:txBody>
-          <a:bodyPr/>
-          <a:lstStyle/>
-          <a:p>
-            <a:r>
-              <a:rPr lang="ko-KR" altLang="en-US" dirty="0" err="1"/>
-              <a:t>프로젝트폴더안의</a:t>
-            </a:r>
-            <a:r>
-              <a:rPr lang="ko-KR" altLang="en-US" dirty="0"/>
-              <a:t> 환경파일을 확인한다</a:t>
-            </a:r>
-            <a:r>
-              <a:rPr lang="en-US" altLang="ko-KR" dirty="0"/>
-              <a:t>.</a:t>
-            </a:r>
-            <a:endParaRPr lang="ko-KR" altLang="en-US" dirty="0"/>
-          </a:p>
-        </p:txBody>
-      </p:sp>
       <p:pic>
         <p:nvPicPr>
-          <p:cNvPr id="4" name="그림 3">
-            <a:extLst>
-              <a:ext uri="{FF2B5EF4-FFF2-40B4-BE49-F238E27FC236}">
-                <a16:creationId xmlns:a16="http://schemas.microsoft.com/office/drawing/2014/main" id="{1CF66994-BD6E-4EB8-9BE7-D7E00B92CA25}"/>
+          <p:cNvPr id="6" name="그림 5">
+            <a:extLst>
+              <a:ext uri="{FF2B5EF4-FFF2-40B4-BE49-F238E27FC236}">
+                <a16:creationId xmlns:a16="http://schemas.microsoft.com/office/drawing/2014/main" id="{796CB036-0B47-42F4-88B0-D34ED2DFC317}"/>
               </a:ext>
             </a:extLst>
           </p:cNvPr>
@@ -8007,14 +7992,81 @@
         </p:blipFill>
         <p:spPr>
           <a:xfrm>
-            <a:off x="3147519" y="2206009"/>
-            <a:ext cx="5896961" cy="1671579"/>
+            <a:off x="2347546" y="2082829"/>
+            <a:ext cx="6686347" cy="2401248"/>
           </a:xfrm>
           <a:prstGeom prst="rect">
             <a:avLst/>
           </a:prstGeom>
+          <a:solidFill>
+            <a:srgbClr val="FFFFFF">
+              <a:shade val="85000"/>
+            </a:srgbClr>
+          </a:solidFill>
+          <a:ln w="88900" cap="sq">
+            <a:solidFill>
+              <a:srgbClr val="FFFFFF"/>
+            </a:solidFill>
+            <a:miter lim="800000"/>
+          </a:ln>
+          <a:effectLst>
+            <a:outerShdw blurRad="55000" dist="18000" dir="5400000" algn="tl" rotWithShape="0">
+              <a:srgbClr val="000000">
+                <a:alpha val="40000"/>
+              </a:srgbClr>
+            </a:outerShdw>
+          </a:effectLst>
+          <a:scene3d>
+            <a:camera prst="orthographicFront"/>
+            <a:lightRig rig="twoPt" dir="t">
+              <a:rot lat="0" lon="0" rev="7200000"/>
+            </a:lightRig>
+          </a:scene3d>
+          <a:sp3d>
+            <a:bevelT w="25400" h="19050"/>
+            <a:contourClr>
+              <a:srgbClr val="FFFFFF"/>
+            </a:contourClr>
+          </a:sp3d>
         </p:spPr>
       </p:pic>
+      <p:sp>
+        <p:nvSpPr>
+          <p:cNvPr id="2" name="제목 1">
+            <a:extLst>
+              <a:ext uri="{FF2B5EF4-FFF2-40B4-BE49-F238E27FC236}">
+                <a16:creationId xmlns:a16="http://schemas.microsoft.com/office/drawing/2014/main" id="{687B812B-3F16-4D64-A067-3310C5E73784}"/>
+              </a:ext>
+            </a:extLst>
+          </p:cNvPr>
+          <p:cNvSpPr>
+            <a:spLocks noGrp="1"/>
+          </p:cNvSpPr>
+          <p:nvPr>
+            <p:ph type="title"/>
+          </p:nvPr>
+        </p:nvSpPr>
+        <p:spPr/>
+        <p:txBody>
+          <a:bodyPr/>
+          <a:lstStyle/>
+          <a:p>
+            <a:r>
+              <a:rPr lang="ko-KR" altLang="en-US" dirty="0" err="1"/>
+              <a:t>프로젝트폴더안의</a:t>
+            </a:r>
+            <a:r>
+              <a:rPr lang="ko-KR" altLang="en-US" dirty="0"/>
+              <a:t> 환경파일을 확인한다</a:t>
+            </a:r>
+            <a:r>
+              <a:rPr lang="en-US" altLang="ko-KR" dirty="0"/>
+              <a:t>.</a:t>
+            </a:r>
+            <a:endParaRPr lang="ko-KR" altLang="en-US" dirty="0"/>
+          </a:p>
+        </p:txBody>
+      </p:sp>
       <p:sp>
         <p:nvSpPr>
           <p:cNvPr id="5" name="직사각형 4">
@@ -8029,7 +8081,7 @@
         </p:nvSpPr>
         <p:spPr>
           <a:xfrm>
-            <a:off x="3254478" y="2920181"/>
+            <a:off x="2770899" y="3386174"/>
             <a:ext cx="2487561" cy="432619"/>
           </a:xfrm>
           <a:prstGeom prst="rect">
@@ -8132,10 +8184,10 @@
       </p:sp>
       <p:pic>
         <p:nvPicPr>
-          <p:cNvPr id="5" name="그림 4">
-            <a:extLst>
-              <a:ext uri="{FF2B5EF4-FFF2-40B4-BE49-F238E27FC236}">
-                <a16:creationId xmlns:a16="http://schemas.microsoft.com/office/drawing/2014/main" id="{3DD80658-5B6B-4896-9E6E-9FC70C9B273C}"/>
+          <p:cNvPr id="4" name="그림 3">
+            <a:extLst>
+              <a:ext uri="{FF2B5EF4-FFF2-40B4-BE49-F238E27FC236}">
+                <a16:creationId xmlns:a16="http://schemas.microsoft.com/office/drawing/2014/main" id="{DB7C1CC0-4EE2-4940-B92B-3333E889D5AD}"/>
               </a:ext>
             </a:extLst>
           </p:cNvPr>
@@ -8152,8 +8204,8 @@
         </p:blipFill>
         <p:spPr>
           <a:xfrm>
-            <a:off x="3605362" y="1386348"/>
-            <a:ext cx="8470782" cy="6376219"/>
+            <a:off x="3528857" y="1455174"/>
+            <a:ext cx="9086851" cy="6858000"/>
           </a:xfrm>
           <a:prstGeom prst="rect">
             <a:avLst/>
@@ -8424,62 +8476,12 @@
           <a:chExt cx="0" cy="0"/>
         </a:xfrm>
       </p:grpSpPr>
-      <p:sp>
-        <p:nvSpPr>
-          <p:cNvPr id="2" name="제목 1">
-            <a:extLst>
-              <a:ext uri="{FF2B5EF4-FFF2-40B4-BE49-F238E27FC236}">
-                <a16:creationId xmlns:a16="http://schemas.microsoft.com/office/drawing/2014/main" id="{3A451959-1BF1-4BE4-B46E-7F4F812945E0}"/>
-              </a:ext>
-            </a:extLst>
-          </p:cNvPr>
-          <p:cNvSpPr>
-            <a:spLocks noGrp="1"/>
-          </p:cNvSpPr>
-          <p:nvPr>
-            <p:ph type="title"/>
-          </p:nvPr>
-        </p:nvSpPr>
-        <p:spPr>
-          <a:xfrm>
-            <a:off x="838200" y="807576"/>
-            <a:ext cx="10515600" cy="1325563"/>
-          </a:xfrm>
-        </p:spPr>
-        <p:txBody>
-          <a:bodyPr>
-            <a:normAutofit fontScale="90000"/>
-          </a:bodyPr>
-          <a:lstStyle/>
-          <a:p>
-            <a:r>
-              <a:rPr lang="ko-KR" altLang="en-US" dirty="0"/>
-              <a:t>이클립스 </a:t>
-            </a:r>
-            <a:br>
-              <a:rPr lang="en-US" altLang="ko-KR" dirty="0"/>
-            </a:br>
-            <a:br>
-              <a:rPr lang="en-US" altLang="ko-KR" dirty="0"/>
-            </a:br>
-            <a:r>
-              <a:rPr lang="ko-KR" altLang="en-US" dirty="0"/>
-              <a:t>하단 </a:t>
-            </a:r>
-            <a:r>
-              <a:rPr lang="en-US" altLang="ko-KR" dirty="0"/>
-              <a:t>Servers</a:t>
-            </a:r>
-            <a:endParaRPr lang="ko-KR" altLang="en-US" dirty="0"/>
-          </a:p>
-        </p:txBody>
-      </p:sp>
       <p:pic>
         <p:nvPicPr>
-          <p:cNvPr id="7" name="그림 6">
-            <a:extLst>
-              <a:ext uri="{FF2B5EF4-FFF2-40B4-BE49-F238E27FC236}">
-                <a16:creationId xmlns:a16="http://schemas.microsoft.com/office/drawing/2014/main" id="{2D4A9447-A1B8-41BA-A198-E340E3E9745C}"/>
+          <p:cNvPr id="6" name="그림 5">
+            <a:extLst>
+              <a:ext uri="{FF2B5EF4-FFF2-40B4-BE49-F238E27FC236}">
+                <a16:creationId xmlns:a16="http://schemas.microsoft.com/office/drawing/2014/main" id="{3BB95CF3-EAED-470F-9345-E89F2A8409E1}"/>
               </a:ext>
             </a:extLst>
           </p:cNvPr>
@@ -8496,14 +8498,110 @@
         </p:blipFill>
         <p:spPr>
           <a:xfrm>
-            <a:off x="5751871" y="0"/>
-            <a:ext cx="6440129" cy="6858000"/>
+            <a:off x="0" y="1096963"/>
+            <a:ext cx="5250529" cy="5532437"/>
           </a:xfrm>
           <a:prstGeom prst="rect">
             <a:avLst/>
           </a:prstGeom>
+          <a:solidFill>
+            <a:srgbClr val="FFFFFF">
+              <a:shade val="85000"/>
+            </a:srgbClr>
+          </a:solidFill>
+          <a:ln w="88900" cap="sq">
+            <a:solidFill>
+              <a:srgbClr val="FFFFFF"/>
+            </a:solidFill>
+            <a:miter lim="800000"/>
+          </a:ln>
+          <a:effectLst>
+            <a:outerShdw blurRad="55000" dist="18000" dir="5400000" algn="tl" rotWithShape="0">
+              <a:srgbClr val="000000">
+                <a:alpha val="40000"/>
+              </a:srgbClr>
+            </a:outerShdw>
+          </a:effectLst>
+          <a:scene3d>
+            <a:camera prst="orthographicFront"/>
+            <a:lightRig rig="twoPt" dir="t">
+              <a:rot lat="0" lon="0" rev="7200000"/>
+            </a:lightRig>
+          </a:scene3d>
+          <a:sp3d>
+            <a:bevelT w="25400" h="19050"/>
+            <a:contourClr>
+              <a:srgbClr val="FFFFFF"/>
+            </a:contourClr>
+          </a:sp3d>
         </p:spPr>
       </p:pic>
+      <p:sp>
+        <p:nvSpPr>
+          <p:cNvPr id="2" name="제목 1">
+            <a:extLst>
+              <a:ext uri="{FF2B5EF4-FFF2-40B4-BE49-F238E27FC236}">
+                <a16:creationId xmlns:a16="http://schemas.microsoft.com/office/drawing/2014/main" id="{3A451959-1BF1-4BE4-B46E-7F4F812945E0}"/>
+              </a:ext>
+            </a:extLst>
+          </p:cNvPr>
+          <p:cNvSpPr>
+            <a:spLocks noGrp="1"/>
+          </p:cNvSpPr>
+          <p:nvPr>
+            <p:ph type="title"/>
+          </p:nvPr>
+        </p:nvSpPr>
+        <p:spPr>
+          <a:xfrm>
+            <a:off x="720684" y="0"/>
+            <a:ext cx="10515600" cy="1325563"/>
+          </a:xfrm>
+        </p:spPr>
+        <p:txBody>
+          <a:bodyPr>
+            <a:normAutofit/>
+          </a:bodyPr>
+          <a:lstStyle/>
+          <a:p>
+            <a:r>
+              <a:rPr lang="ko-KR" altLang="en-US" dirty="0"/>
+              <a:t>이클립스 하단 </a:t>
+            </a:r>
+            <a:r>
+              <a:rPr lang="en-US" altLang="ko-KR" dirty="0" err="1"/>
+              <a:t>Servers</a:t>
+            </a:r>
+            <a:r>
+              <a:rPr lang="en-US" altLang="ko-KR" b="1" dirty="0" err="1">
+                <a:solidFill>
+                  <a:schemeClr val="accent1">
+                    <a:lumMod val="75000"/>
+                  </a:schemeClr>
+                </a:solidFill>
+              </a:rPr>
+              <a:t>Tomcat</a:t>
+            </a:r>
+            <a:r>
+              <a:rPr lang="en-US" altLang="ko-KR" b="1" dirty="0">
+                <a:solidFill>
+                  <a:schemeClr val="accent1">
+                    <a:lumMod val="75000"/>
+                  </a:schemeClr>
+                </a:solidFill>
+              </a:rPr>
+              <a:t> v8.5</a:t>
+            </a:r>
+            <a:endParaRPr lang="ko-KR" altLang="en-US" b="1" dirty="0">
+              <a:solidFill>
+                <a:schemeClr val="accent1">
+                  <a:lumMod val="75000"/>
+                </a:schemeClr>
+              </a:solidFill>
+            </a:endParaRPr>
+          </a:p>
+        </p:txBody>
+      </p:sp>
       <p:sp>
         <p:nvSpPr>
           <p:cNvPr id="8" name="직사각형 7">
@@ -8518,8 +8616,284 @@
         </p:nvSpPr>
         <p:spPr>
           <a:xfrm>
-            <a:off x="6484375" y="2310582"/>
+            <a:off x="267134" y="2996960"/>
             <a:ext cx="2443316" cy="324463"/>
+          </a:xfrm>
+          <a:prstGeom prst="rect">
+            <a:avLst/>
+          </a:prstGeom>
+          <a:noFill/>
+          <a:ln w="38100">
+            <a:solidFill>
+              <a:srgbClr val="FF0000"/>
+            </a:solidFill>
+          </a:ln>
+        </p:spPr>
+        <p:style>
+          <a:lnRef idx="2">
+            <a:schemeClr val="accent1">
+              <a:shade val="50000"/>
+            </a:schemeClr>
+          </a:lnRef>
+          <a:fillRef idx="1">
+            <a:schemeClr val="accent1"/>
+          </a:fillRef>
+          <a:effectRef idx="0">
+            <a:schemeClr val="accent1"/>
+          </a:effectRef>
+          <a:fontRef idx="minor">
+            <a:schemeClr val="lt1"/>
+          </a:fontRef>
+        </p:style>
+        <p:txBody>
+          <a:bodyPr rtlCol="0" anchor="ctr"/>
+          <a:lstStyle/>
+          <a:p>
+            <a:pPr algn="ctr"/>
+            <a:endParaRPr lang="ko-KR" altLang="en-US"/>
+          </a:p>
+        </p:txBody>
+      </p:sp>
+      <p:pic>
+        <p:nvPicPr>
+          <p:cNvPr id="10" name="그림 9">
+            <a:extLst>
+              <a:ext uri="{FF2B5EF4-FFF2-40B4-BE49-F238E27FC236}">
+                <a16:creationId xmlns:a16="http://schemas.microsoft.com/office/drawing/2014/main" id="{53C7A8B8-79E5-41B0-990E-4286AE90A090}"/>
+              </a:ext>
+            </a:extLst>
+          </p:cNvPr>
+          <p:cNvPicPr>
+            <a:picLocks noChangeAspect="1"/>
+          </p:cNvPicPr>
+          <p:nvPr/>
+        </p:nvPicPr>
+        <p:blipFill>
+          <a:blip r:embed="rId3"/>
+          <a:stretch>
+            <a:fillRect/>
+          </a:stretch>
+        </p:blipFill>
+        <p:spPr>
+          <a:xfrm>
+            <a:off x="8928973" y="1547427"/>
+            <a:ext cx="5638368" cy="4087608"/>
+          </a:xfrm>
+          <a:prstGeom prst="rect">
+            <a:avLst/>
+          </a:prstGeom>
+          <a:solidFill>
+            <a:srgbClr val="FFFFFF">
+              <a:shade val="85000"/>
+            </a:srgbClr>
+          </a:solidFill>
+          <a:ln w="88900" cap="sq">
+            <a:solidFill>
+              <a:srgbClr val="FFFFFF"/>
+            </a:solidFill>
+            <a:miter lim="800000"/>
+          </a:ln>
+          <a:effectLst>
+            <a:outerShdw blurRad="55000" dist="18000" dir="5400000" algn="tl" rotWithShape="0">
+              <a:srgbClr val="000000">
+                <a:alpha val="40000"/>
+              </a:srgbClr>
+            </a:outerShdw>
+          </a:effectLst>
+          <a:scene3d>
+            <a:camera prst="orthographicFront"/>
+            <a:lightRig rig="twoPt" dir="t">
+              <a:rot lat="0" lon="0" rev="7200000"/>
+            </a:lightRig>
+          </a:scene3d>
+          <a:sp3d>
+            <a:bevelT w="25400" h="19050"/>
+            <a:contourClr>
+              <a:srgbClr val="FFFFFF"/>
+            </a:contourClr>
+          </a:sp3d>
+        </p:spPr>
+      </p:pic>
+      <p:pic>
+        <p:nvPicPr>
+          <p:cNvPr id="12" name="그림 11">
+            <a:extLst>
+              <a:ext uri="{FF2B5EF4-FFF2-40B4-BE49-F238E27FC236}">
+                <a16:creationId xmlns:a16="http://schemas.microsoft.com/office/drawing/2014/main" id="{07FCCB4F-58B7-4B4D-BAEC-E4F9056FF4ED}"/>
+              </a:ext>
+            </a:extLst>
+          </p:cNvPr>
+          <p:cNvPicPr>
+            <a:picLocks noChangeAspect="1"/>
+          </p:cNvPicPr>
+          <p:nvPr/>
+        </p:nvPicPr>
+        <p:blipFill>
+          <a:blip r:embed="rId4"/>
+          <a:stretch>
+            <a:fillRect/>
+          </a:stretch>
+        </p:blipFill>
+        <p:spPr>
+          <a:xfrm>
+            <a:off x="5402802" y="1096962"/>
+            <a:ext cx="5250529" cy="5532437"/>
+          </a:xfrm>
+          <a:prstGeom prst="rect">
+            <a:avLst/>
+          </a:prstGeom>
+          <a:solidFill>
+            <a:srgbClr val="FFFFFF">
+              <a:shade val="85000"/>
+            </a:srgbClr>
+          </a:solidFill>
+          <a:ln w="88900" cap="sq">
+            <a:solidFill>
+              <a:srgbClr val="FFFFFF"/>
+            </a:solidFill>
+            <a:miter lim="800000"/>
+          </a:ln>
+          <a:effectLst>
+            <a:outerShdw blurRad="55000" dist="18000" dir="5400000" algn="tl" rotWithShape="0">
+              <a:srgbClr val="000000">
+                <a:alpha val="40000"/>
+              </a:srgbClr>
+            </a:outerShdw>
+          </a:effectLst>
+          <a:scene3d>
+            <a:camera prst="orthographicFront"/>
+            <a:lightRig rig="twoPt" dir="t">
+              <a:rot lat="0" lon="0" rev="7200000"/>
+            </a:lightRig>
+          </a:scene3d>
+          <a:sp3d>
+            <a:bevelT w="25400" h="19050"/>
+            <a:contourClr>
+              <a:srgbClr val="FFFFFF"/>
+            </a:contourClr>
+          </a:sp3d>
+        </p:spPr>
+      </p:pic>
+      <p:sp>
+        <p:nvSpPr>
+          <p:cNvPr id="13" name="직사각형 12">
+            <a:extLst>
+              <a:ext uri="{FF2B5EF4-FFF2-40B4-BE49-F238E27FC236}">
+                <a16:creationId xmlns:a16="http://schemas.microsoft.com/office/drawing/2014/main" id="{32028328-C2EF-4C3F-990B-A479DD80F3C4}"/>
+              </a:ext>
+            </a:extLst>
+          </p:cNvPr>
+          <p:cNvSpPr/>
+          <p:nvPr/>
+        </p:nvSpPr>
+        <p:spPr>
+          <a:xfrm>
+            <a:off x="2026024" y="6134607"/>
+            <a:ext cx="1371600" cy="427558"/>
+          </a:xfrm>
+          <a:prstGeom prst="rect">
+            <a:avLst/>
+          </a:prstGeom>
+          <a:noFill/>
+          <a:ln w="38100">
+            <a:solidFill>
+              <a:srgbClr val="FF0000"/>
+            </a:solidFill>
+          </a:ln>
+        </p:spPr>
+        <p:style>
+          <a:lnRef idx="2">
+            <a:schemeClr val="accent1">
+              <a:shade val="50000"/>
+            </a:schemeClr>
+          </a:lnRef>
+          <a:fillRef idx="1">
+            <a:schemeClr val="accent1"/>
+          </a:fillRef>
+          <a:effectRef idx="0">
+            <a:schemeClr val="accent1"/>
+          </a:effectRef>
+          <a:fontRef idx="minor">
+            <a:schemeClr val="lt1"/>
+          </a:fontRef>
+        </p:style>
+        <p:txBody>
+          <a:bodyPr rtlCol="0" anchor="ctr"/>
+          <a:lstStyle/>
+          <a:p>
+            <a:pPr algn="ctr"/>
+            <a:endParaRPr lang="ko-KR" altLang="en-US"/>
+          </a:p>
+        </p:txBody>
+      </p:sp>
+      <p:sp>
+        <p:nvSpPr>
+          <p:cNvPr id="14" name="직사각형 13">
+            <a:extLst>
+              <a:ext uri="{FF2B5EF4-FFF2-40B4-BE49-F238E27FC236}">
+                <a16:creationId xmlns:a16="http://schemas.microsoft.com/office/drawing/2014/main" id="{A07680DE-3E96-45FC-AC16-621ADCCFB3AD}"/>
+              </a:ext>
+            </a:extLst>
+          </p:cNvPr>
+          <p:cNvSpPr/>
+          <p:nvPr/>
+        </p:nvSpPr>
+        <p:spPr>
+          <a:xfrm>
+            <a:off x="8923117" y="2875071"/>
+            <a:ext cx="1730214" cy="446352"/>
+          </a:xfrm>
+          <a:prstGeom prst="rect">
+            <a:avLst/>
+          </a:prstGeom>
+          <a:noFill/>
+          <a:ln w="38100">
+            <a:solidFill>
+              <a:srgbClr val="FF0000"/>
+            </a:solidFill>
+          </a:ln>
+        </p:spPr>
+        <p:style>
+          <a:lnRef idx="2">
+            <a:schemeClr val="accent1">
+              <a:shade val="50000"/>
+            </a:schemeClr>
+          </a:lnRef>
+          <a:fillRef idx="1">
+            <a:schemeClr val="accent1"/>
+          </a:fillRef>
+          <a:effectRef idx="0">
+            <a:schemeClr val="accent1"/>
+          </a:effectRef>
+          <a:fontRef idx="minor">
+            <a:schemeClr val="lt1"/>
+          </a:fontRef>
+        </p:style>
+        <p:txBody>
+          <a:bodyPr rtlCol="0" anchor="ctr"/>
+          <a:lstStyle/>
+          <a:p>
+            <a:pPr algn="ctr"/>
+            <a:endParaRPr lang="ko-KR" altLang="en-US"/>
+          </a:p>
+        </p:txBody>
+      </p:sp>
+      <p:sp>
+        <p:nvSpPr>
+          <p:cNvPr id="15" name="직사각형 14">
+            <a:extLst>
+              <a:ext uri="{FF2B5EF4-FFF2-40B4-BE49-F238E27FC236}">
+                <a16:creationId xmlns:a16="http://schemas.microsoft.com/office/drawing/2014/main" id="{7280487B-44E4-4068-A51B-688744C7EAB0}"/>
+              </a:ext>
+            </a:extLst>
+          </p:cNvPr>
+          <p:cNvSpPr/>
+          <p:nvPr/>
+        </p:nvSpPr>
+        <p:spPr>
+          <a:xfrm>
+            <a:off x="8507505" y="6125642"/>
+            <a:ext cx="1140391" cy="436523"/>
           </a:xfrm>
           <a:prstGeom prst="rect">
             <a:avLst/>
@@ -8586,55 +8960,12 @@
           <a:chExt cx="0" cy="0"/>
         </a:xfrm>
       </p:grpSpPr>
-      <p:sp>
-        <p:nvSpPr>
-          <p:cNvPr id="2" name="제목 1">
-            <a:extLst>
-              <a:ext uri="{FF2B5EF4-FFF2-40B4-BE49-F238E27FC236}">
-                <a16:creationId xmlns:a16="http://schemas.microsoft.com/office/drawing/2014/main" id="{0E3F9E5F-BDAD-4C59-AFD4-AA1E0E95E820}"/>
-              </a:ext>
-            </a:extLst>
-          </p:cNvPr>
-          <p:cNvSpPr>
-            <a:spLocks noGrp="1"/>
-          </p:cNvSpPr>
-          <p:nvPr>
-            <p:ph type="title"/>
-          </p:nvPr>
-        </p:nvSpPr>
-        <p:spPr/>
-        <p:txBody>
-          <a:bodyPr>
-            <a:normAutofit fontScale="90000"/>
-          </a:bodyPr>
-          <a:lstStyle/>
-          <a:p>
-            <a:br>
-              <a:rPr lang="en-US" altLang="ko-KR" dirty="0"/>
-            </a:br>
-            <a:r>
-              <a:rPr lang="ko-KR" altLang="en-US" dirty="0"/>
-              <a:t>이클립스에 </a:t>
-            </a:r>
-            <a:br>
-              <a:rPr lang="en-US" altLang="ko-KR" dirty="0"/>
-            </a:br>
-            <a:br>
-              <a:rPr lang="en-US" altLang="ko-KR" dirty="0"/>
-            </a:br>
-            <a:r>
-              <a:rPr lang="ko-KR" altLang="en-US" dirty="0"/>
-              <a:t>서버설정 확인</a:t>
-            </a:r>
-          </a:p>
-        </p:txBody>
-      </p:sp>
       <p:pic>
         <p:nvPicPr>
-          <p:cNvPr id="5" name="그림 4">
-            <a:extLst>
-              <a:ext uri="{FF2B5EF4-FFF2-40B4-BE49-F238E27FC236}">
-                <a16:creationId xmlns:a16="http://schemas.microsoft.com/office/drawing/2014/main" id="{1141C68B-8C6A-46E3-ACEC-9B3B4061A6E2}"/>
+          <p:cNvPr id="11" name="그림 10">
+            <a:extLst>
+              <a:ext uri="{FF2B5EF4-FFF2-40B4-BE49-F238E27FC236}">
+                <a16:creationId xmlns:a16="http://schemas.microsoft.com/office/drawing/2014/main" id="{089A75EB-E91E-4DC0-AD9B-F75CC4614B0B}"/>
               </a:ext>
             </a:extLst>
           </p:cNvPr>
@@ -8651,8 +8982,8 @@
         </p:blipFill>
         <p:spPr>
           <a:xfrm>
-            <a:off x="4655057" y="0"/>
-            <a:ext cx="9095874" cy="6858000"/>
+            <a:off x="4619477" y="-565990"/>
+            <a:ext cx="9836788" cy="7423990"/>
           </a:xfrm>
           <a:prstGeom prst="rect">
             <a:avLst/>
@@ -8661,6 +8992,54 @@
       </p:pic>
       <p:sp>
         <p:nvSpPr>
+          <p:cNvPr id="2" name="제목 1">
+            <a:extLst>
+              <a:ext uri="{FF2B5EF4-FFF2-40B4-BE49-F238E27FC236}">
+                <a16:creationId xmlns:a16="http://schemas.microsoft.com/office/drawing/2014/main" id="{0E3F9E5F-BDAD-4C59-AFD4-AA1E0E95E820}"/>
+              </a:ext>
+            </a:extLst>
+          </p:cNvPr>
+          <p:cNvSpPr>
+            <a:spLocks noGrp="1"/>
+          </p:cNvSpPr>
+          <p:nvPr>
+            <p:ph type="title"/>
+          </p:nvPr>
+        </p:nvSpPr>
+        <p:spPr>
+          <a:xfrm>
+            <a:off x="838200" y="338231"/>
+            <a:ext cx="10515600" cy="1325563"/>
+          </a:xfrm>
+        </p:spPr>
+        <p:txBody>
+          <a:bodyPr>
+            <a:normAutofit fontScale="90000"/>
+          </a:bodyPr>
+          <a:lstStyle/>
+          <a:p>
+            <a:br>
+              <a:rPr lang="en-US" altLang="ko-KR" dirty="0"/>
+            </a:br>
+            <a:r>
+              <a:rPr lang="ko-KR" altLang="en-US" dirty="0"/>
+              <a:t>이클립스에 </a:t>
+            </a:r>
+            <a:br>
+              <a:rPr lang="en-US" altLang="ko-KR" dirty="0"/>
+            </a:br>
+            <a:br>
+              <a:rPr lang="en-US" altLang="ko-KR" dirty="0"/>
+            </a:br>
+            <a:r>
+              <a:rPr lang="ko-KR" altLang="en-US" dirty="0"/>
+              <a:t>서버설정 확인</a:t>
+            </a:r>
+          </a:p>
+        </p:txBody>
+      </p:sp>
+      <p:sp>
+        <p:nvSpPr>
           <p:cNvPr id="6" name="직사각형 5">
             <a:extLst>
               <a:ext uri="{FF2B5EF4-FFF2-40B4-BE49-F238E27FC236}">
@@ -8673,8 +9052,8 @@
         </p:nvSpPr>
         <p:spPr>
           <a:xfrm>
-            <a:off x="7098891" y="5319251"/>
-            <a:ext cx="3805083" cy="432619"/>
+            <a:off x="7242331" y="5247539"/>
+            <a:ext cx="4591081" cy="432619"/>
           </a:xfrm>
           <a:prstGeom prst="rect">
             <a:avLst/>
@@ -8725,7 +9104,7 @@
         </p:nvSpPr>
         <p:spPr>
           <a:xfrm>
-            <a:off x="4655057" y="1474378"/>
+            <a:off x="4655057" y="1079932"/>
             <a:ext cx="1912891" cy="324925"/>
           </a:xfrm>
           <a:prstGeom prst="rect">
@@ -8793,60 +9172,12 @@
           <a:chExt cx="0" cy="0"/>
         </a:xfrm>
       </p:grpSpPr>
-      <p:sp>
-        <p:nvSpPr>
-          <p:cNvPr id="2" name="제목 1">
-            <a:extLst>
-              <a:ext uri="{FF2B5EF4-FFF2-40B4-BE49-F238E27FC236}">
-                <a16:creationId xmlns:a16="http://schemas.microsoft.com/office/drawing/2014/main" id="{F39DA9B3-8859-4883-BF07-3891E0D721FE}"/>
-              </a:ext>
-            </a:extLst>
-          </p:cNvPr>
-          <p:cNvSpPr>
-            <a:spLocks noGrp="1"/>
-          </p:cNvSpPr>
-          <p:nvPr>
-            <p:ph type="title"/>
-          </p:nvPr>
-        </p:nvSpPr>
-        <p:spPr/>
-        <p:txBody>
-          <a:bodyPr/>
-          <a:lstStyle/>
-          <a:p>
-            <a:r>
-              <a:rPr lang="en-US" altLang="ko-KR" dirty="0"/>
-              <a:t>B_2. Tomcat </a:t>
-            </a:r>
-            <a:r>
-              <a:rPr lang="ko-KR" altLang="en-US" dirty="0"/>
-              <a:t>포트</a:t>
-            </a:r>
-            <a:r>
-              <a:rPr lang="en-US" altLang="ko-KR" dirty="0"/>
-              <a:t>Port </a:t>
-            </a:r>
-            <a:r>
-              <a:rPr lang="ko-KR" altLang="en-US" dirty="0"/>
-              <a:t>번호변경</a:t>
-            </a:r>
-            <a:r>
-              <a:rPr lang="en-US" altLang="ko-KR" dirty="0"/>
-              <a:t>_</a:t>
-            </a:r>
-            <a:r>
-              <a:rPr lang="ko-KR" altLang="en-US" dirty="0"/>
-              <a:t>충돌방지</a:t>
-            </a:r>
-          </a:p>
-        </p:txBody>
-      </p:sp>
       <p:pic>
         <p:nvPicPr>
-          <p:cNvPr id="5" name="그림 4">
-            <a:extLst>
-              <a:ext uri="{FF2B5EF4-FFF2-40B4-BE49-F238E27FC236}">
-                <a16:creationId xmlns:a16="http://schemas.microsoft.com/office/drawing/2014/main" id="{12D5D37B-2849-4EBB-8145-7511772AC213}"/>
+          <p:cNvPr id="8" name="그림 7">
+            <a:extLst>
+              <a:ext uri="{FF2B5EF4-FFF2-40B4-BE49-F238E27FC236}">
+                <a16:creationId xmlns:a16="http://schemas.microsoft.com/office/drawing/2014/main" id="{5C75D0C3-3E5B-4F2B-86D0-493198F3F3E3}"/>
               </a:ext>
             </a:extLst>
           </p:cNvPr>
@@ -8863,14 +9194,62 @@
         </p:blipFill>
         <p:spPr>
           <a:xfrm>
-            <a:off x="838200" y="1465007"/>
-            <a:ext cx="10877275" cy="6858000"/>
+            <a:off x="438210" y="987428"/>
+            <a:ext cx="12349705" cy="5852641"/>
           </a:xfrm>
           <a:prstGeom prst="rect">
             <a:avLst/>
           </a:prstGeom>
         </p:spPr>
       </p:pic>
+      <p:sp>
+        <p:nvSpPr>
+          <p:cNvPr id="2" name="제목 1">
+            <a:extLst>
+              <a:ext uri="{FF2B5EF4-FFF2-40B4-BE49-F238E27FC236}">
+                <a16:creationId xmlns:a16="http://schemas.microsoft.com/office/drawing/2014/main" id="{F39DA9B3-8859-4883-BF07-3891E0D721FE}"/>
+              </a:ext>
+            </a:extLst>
+          </p:cNvPr>
+          <p:cNvSpPr>
+            <a:spLocks noGrp="1"/>
+          </p:cNvSpPr>
+          <p:nvPr>
+            <p:ph type="title"/>
+          </p:nvPr>
+        </p:nvSpPr>
+        <p:spPr/>
+        <p:txBody>
+          <a:bodyPr/>
+          <a:lstStyle/>
+          <a:p>
+            <a:r>
+              <a:rPr lang="en-US" altLang="ko-KR" dirty="0"/>
+              <a:t>B_2. Tomcat </a:t>
+            </a:r>
+            <a:r>
+              <a:rPr lang="ko-KR" altLang="en-US" dirty="0"/>
+              <a:t>포트</a:t>
+            </a:r>
+            <a:r>
+              <a:rPr lang="en-US" altLang="ko-KR" dirty="0"/>
+              <a:t>Port </a:t>
+            </a:r>
+            <a:r>
+              <a:rPr lang="ko-KR" altLang="en-US" dirty="0"/>
+              <a:t>번호변경</a:t>
+            </a:r>
+            <a:r>
+              <a:rPr lang="en-US" altLang="ko-KR" dirty="0"/>
+              <a:t>_</a:t>
+            </a:r>
+            <a:r>
+              <a:rPr lang="ko-KR" altLang="en-US" dirty="0"/>
+              <a:t>충돌방지</a:t>
+            </a:r>
+          </a:p>
+        </p:txBody>
+      </p:sp>
       <p:sp>
         <p:nvSpPr>
           <p:cNvPr id="6" name="직사각형 5">
